--- a/Защита.pptx
+++ b/Защита.pptx
@@ -14,6 +14,7 @@
     <p:sldId id="263" r:id="rId8"/>
     <p:sldId id="260" r:id="rId9"/>
     <p:sldId id="261" r:id="rId10"/>
+    <p:sldId id="265" r:id="rId11"/>
   </p:sldIdLst>
   <p:sldSz cx="9144000" cy="6858000" type="screen4x3"/>
   <p:notesSz cx="6858000" cy="9144000"/>
@@ -3766,6 +3767,88 @@
 </p:sld>
 </file>
 
+<file path=ppt/slides/slide10.xml><?xml version="1.0" encoding="utf-8"?>
+<p:sld xmlns:a="http://schemas.openxmlformats.org/drawingml/2006/main" xmlns:r="http://schemas.openxmlformats.org/officeDocument/2006/relationships" xmlns:p="http://schemas.openxmlformats.org/presentationml/2006/main">
+  <p:cSld>
+    <p:spTree>
+      <p:nvGrpSpPr>
+        <p:cNvPr id="1" name=""/>
+        <p:cNvGrpSpPr/>
+        <p:nvPr/>
+      </p:nvGrpSpPr>
+      <p:grpSpPr>
+        <a:xfrm>
+          <a:off x="0" y="0"/>
+          <a:ext cx="0" cy="0"/>
+          <a:chOff x="0" y="0"/>
+          <a:chExt cx="0" cy="0"/>
+        </a:xfrm>
+      </p:grpSpPr>
+      <p:sp>
+        <p:nvSpPr>
+          <p:cNvPr id="2" name="Заголовок 1"/>
+          <p:cNvSpPr>
+            <a:spLocks noGrp="1"/>
+          </p:cNvSpPr>
+          <p:nvPr>
+            <p:ph type="title"/>
+          </p:nvPr>
+        </p:nvSpPr>
+        <p:spPr/>
+        <p:txBody>
+          <a:bodyPr/>
+          <a:lstStyle/>
+          <a:p>
+            <a:r>
+              <a:rPr lang="ru-RU" dirty="0" smtClean="0"/>
+              <a:t>Пример исполнения программы</a:t>
+            </a:r>
+            <a:endParaRPr lang="ru-RU" dirty="0"/>
+          </a:p>
+        </p:txBody>
+      </p:sp>
+      <p:pic>
+        <p:nvPicPr>
+          <p:cNvPr id="4" name="Объект 3"/>
+          <p:cNvPicPr>
+            <a:picLocks noGrp="1" noChangeAspect="1"/>
+          </p:cNvPicPr>
+          <p:nvPr>
+            <p:ph sz="quarter" idx="1"/>
+          </p:nvPr>
+        </p:nvPicPr>
+        <p:blipFill>
+          <a:blip r:embed="rId2">
+            <a:extLst>
+              <a:ext uri="{28A0092B-C50C-407E-A947-70E740481C1C}">
+                <a14:useLocalDpi xmlns:a14="http://schemas.microsoft.com/office/drawing/2010/main" val="0"/>
+              </a:ext>
+            </a:extLst>
+          </a:blip>
+          <a:stretch>
+            <a:fillRect/>
+          </a:stretch>
+        </p:blipFill>
+        <p:spPr>
+          <a:xfrm>
+            <a:off x="1549910" y="1628800"/>
+            <a:ext cx="6118434" cy="4824536"/>
+          </a:xfrm>
+        </p:spPr>
+      </p:pic>
+    </p:spTree>
+    <p:extLst>
+      <p:ext uri="{BB962C8B-B14F-4D97-AF65-F5344CB8AC3E}">
+        <p14:creationId xmlns:p14="http://schemas.microsoft.com/office/powerpoint/2010/main" val="4148881886"/>
+      </p:ext>
+    </p:extLst>
+  </p:cSld>
+  <p:clrMapOvr>
+    <a:masterClrMapping/>
+  </p:clrMapOvr>
+</p:sld>
+</file>
+
 <file path=ppt/slides/slide2.xml><?xml version="1.0" encoding="utf-8"?>
 <p:sld xmlns:a="http://schemas.openxmlformats.org/drawingml/2006/main" xmlns:r="http://schemas.openxmlformats.org/officeDocument/2006/relationships" xmlns:p="http://schemas.openxmlformats.org/presentationml/2006/main">
   <p:cSld>
@@ -3834,11 +3917,7 @@
           <a:p>
             <a:r>
               <a:rPr lang="ru-RU" dirty="0" smtClean="0"/>
-              <a:t>Локализация п</a:t>
-            </a:r>
-            <a:r>
-              <a:rPr lang="ru-RU" dirty="0" smtClean="0"/>
-              <a:t>роблем производительности</a:t>
+              <a:t>Локализация проблем производительности</a:t>
             </a:r>
           </a:p>
           <a:p>
@@ -4077,7 +4156,6 @@
               <a:rPr lang="en-US" dirty="0" smtClean="0"/>
               <a:t>Linux</a:t>
             </a:r>
-            <a:endParaRPr lang="en-US" dirty="0" smtClean="0"/>
           </a:p>
           <a:p>
             <a:pPr fontAlgn="base"/>
@@ -4391,13 +4469,8 @@
             </a:r>
             <a:r>
               <a:rPr lang="ru-RU" dirty="0" smtClean="0"/>
-              <a:t>информацию </a:t>
-            </a:r>
-            <a:r>
-              <a:rPr lang="ru-RU" dirty="0" smtClean="0"/>
-              <a:t>в специально выделенное адресуемое хранилище</a:t>
-            </a:r>
-            <a:endParaRPr lang="ru-RU" dirty="0" smtClean="0"/>
+              <a:t>информацию в специально выделенное адресуемое хранилище</a:t>
+            </a:r>
           </a:p>
         </p:txBody>
       </p:sp>
@@ -4753,11 +4826,7 @@
             </a:pPr>
             <a:r>
               <a:rPr lang="en-US" sz="2400" dirty="0" smtClean="0"/>
-              <a:t>Translate </a:t>
-            </a:r>
-            <a:r>
-              <a:rPr lang="en-US" sz="2400" dirty="0" smtClean="0"/>
-              <a:t>table: </a:t>
+              <a:t>Translate table: </a:t>
             </a:r>
             <a:r>
               <a:rPr lang="ru-RU" sz="2400" dirty="0" smtClean="0"/>

--- a/Защита.pptx
+++ b/Защита.pptx
@@ -6,8 +6,8 @@
   </p:sldMasterIdLst>
   <p:sldIdLst>
     <p:sldId id="256" r:id="rId2"/>
-    <p:sldId id="257" r:id="rId3"/>
-    <p:sldId id="258" r:id="rId4"/>
+    <p:sldId id="258" r:id="rId3"/>
+    <p:sldId id="257" r:id="rId4"/>
     <p:sldId id="262" r:id="rId5"/>
     <p:sldId id="264" r:id="rId6"/>
     <p:sldId id="259" r:id="rId7"/>
@@ -3883,7 +3883,7 @@
           <a:p>
             <a:r>
               <a:rPr lang="ru-RU" dirty="0" smtClean="0"/>
-              <a:t>Актуальность</a:t>
+              <a:t>Цели</a:t>
             </a:r>
             <a:endParaRPr lang="ru-RU" dirty="0"/>
           </a:p>
@@ -3901,7 +3901,7 @@
         </p:nvSpPr>
         <p:spPr>
           <a:xfrm>
-            <a:off x="611560" y="2564904"/>
+            <a:off x="611560" y="2204864"/>
             <a:ext cx="8153400" cy="4495800"/>
           </a:xfrm>
         </p:spPr>
@@ -3911,20 +3911,33 @@
           <a:p>
             <a:r>
               <a:rPr lang="ru-RU" dirty="0" smtClean="0"/>
-              <a:t>Локализация проблем в физических устройствах</a:t>
+              <a:t>Реализовать программу, печатающую информацию о состоянии канала и путей к устройству.</a:t>
             </a:r>
           </a:p>
           <a:p>
             <a:r>
               <a:rPr lang="ru-RU" dirty="0" smtClean="0"/>
-              <a:t>Локализация проблем производительности</a:t>
-            </a:r>
-          </a:p>
-          <a:p>
+              <a:t>Изучить особенности архитектуры </a:t>
+            </a:r>
+            <a:r>
+              <a:rPr lang="ru-RU" dirty="0" err="1" smtClean="0"/>
+              <a:t>мейнфреймов</a:t>
+            </a:r>
             <a:r>
               <a:rPr lang="ru-RU" dirty="0" smtClean="0"/>
-              <a:t>Виртуализация</a:t>
-            </a:r>
+              <a:t> и работы с операционной системой </a:t>
+            </a:r>
+            <a:r>
+              <a:rPr lang="en-US" dirty="0" smtClean="0"/>
+              <a:t>z/OS</a:t>
+            </a:r>
+            <a:r>
+              <a:rPr lang="ru-RU" dirty="0"/>
+              <a:t>.</a:t>
+            </a:r>
+            <a:endParaRPr lang="ru-RU" dirty="0" smtClean="0"/>
+          </a:p>
+          <a:p>
             <a:endParaRPr lang="ru-RU" dirty="0"/>
           </a:p>
         </p:txBody>
@@ -3932,7 +3945,7 @@
     </p:spTree>
     <p:extLst>
       <p:ext uri="{BB962C8B-B14F-4D97-AF65-F5344CB8AC3E}">
-        <p14:creationId xmlns:p14="http://schemas.microsoft.com/office/powerpoint/2010/main" val="3585267072"/>
+        <p14:creationId xmlns:p14="http://schemas.microsoft.com/office/powerpoint/2010/main" val="24728693"/>
       </p:ext>
     </p:extLst>
   </p:cSld>
@@ -3976,7 +3989,7 @@
           <a:p>
             <a:r>
               <a:rPr lang="ru-RU" dirty="0" smtClean="0"/>
-              <a:t>Цели</a:t>
+              <a:t>Актуальность</a:t>
             </a:r>
             <a:endParaRPr lang="ru-RU" dirty="0"/>
           </a:p>
@@ -3994,7 +4007,7 @@
         </p:nvSpPr>
         <p:spPr>
           <a:xfrm>
-            <a:off x="611560" y="2204864"/>
+            <a:off x="611560" y="2564904"/>
             <a:ext cx="8153400" cy="4495800"/>
           </a:xfrm>
         </p:spPr>
@@ -4003,42 +4016,26 @@
           <a:lstStyle/>
           <a:p>
             <a:r>
+              <a:rPr lang="ru-RU" smtClean="0"/>
+              <a:t>Локализация неисправностей </a:t>
+            </a:r>
+            <a:r>
               <a:rPr lang="ru-RU" dirty="0" smtClean="0"/>
-              <a:t>Реализовать программу, печатающую информацию о состоянии канала и путей к устройству.</a:t>
+              <a:t>в физических устройствах</a:t>
             </a:r>
           </a:p>
           <a:p>
             <a:r>
               <a:rPr lang="ru-RU" dirty="0" smtClean="0"/>
-              <a:t>Изучить особенности архитектуры </a:t>
-            </a:r>
-            <a:r>
-              <a:rPr lang="ru-RU" dirty="0" err="1" smtClean="0"/>
-              <a:t>мейнфреймов</a:t>
-            </a:r>
-            <a:r>
-              <a:rPr lang="ru-RU" dirty="0" smtClean="0"/>
-              <a:t> и работы с операционной системой </a:t>
-            </a:r>
-            <a:r>
-              <a:rPr lang="en-US" dirty="0" smtClean="0"/>
-              <a:t>z/OS</a:t>
-            </a:r>
-            <a:r>
-              <a:rPr lang="ru-RU" dirty="0"/>
-              <a:t>.</a:t>
-            </a:r>
-            <a:endParaRPr lang="ru-RU" dirty="0" smtClean="0"/>
-          </a:p>
-          <a:p>
-            <a:endParaRPr lang="ru-RU" dirty="0"/>
+              <a:t>Улучшение производительности</a:t>
+            </a:r>
           </a:p>
         </p:txBody>
       </p:sp>
     </p:spTree>
     <p:extLst>
       <p:ext uri="{BB962C8B-B14F-4D97-AF65-F5344CB8AC3E}">
-        <p14:creationId xmlns:p14="http://schemas.microsoft.com/office/powerpoint/2010/main" val="24728693"/>
+        <p14:creationId xmlns:p14="http://schemas.microsoft.com/office/powerpoint/2010/main" val="3585267072"/>
       </p:ext>
     </p:extLst>
   </p:cSld>
